--- a/ppt/physics/2312030.pptx
+++ b/ppt/physics/2312030.pptx
@@ -951,7 +951,7 @@
           <a:p>
             <a:fld id="{C764DE79-268F-4C1A-8933-263129D2AF90}" type="datetimeFigureOut">
               <a:rPr lang="en-US" smtClean="0"/>
-              <a:t>12/3/2023</a:t>
+              <a:t>5/24/24</a:t>
             </a:fld>
             <a:endParaRPr lang="en-US" dirty="0"/>
           </a:p>
@@ -1117,7 +1117,7 @@
           <a:p>
             <a:fld id="{C764DE79-268F-4C1A-8933-263129D2AF90}" type="datetimeFigureOut">
               <a:rPr lang="en-US" smtClean="0"/>
-              <a:t>12/3/2023</a:t>
+              <a:t>5/24/24</a:t>
             </a:fld>
             <a:endParaRPr lang="en-US" dirty="0"/>
           </a:p>
@@ -1293,7 +1293,7 @@
           <a:p>
             <a:fld id="{C764DE79-268F-4C1A-8933-263129D2AF90}" type="datetimeFigureOut">
               <a:rPr lang="en-US" smtClean="0"/>
-              <a:t>12/3/2023</a:t>
+              <a:t>5/24/24</a:t>
             </a:fld>
             <a:endParaRPr lang="en-US" dirty="0"/>
           </a:p>
@@ -1489,7 +1489,7 @@
           <a:p>
             <a:fld id="{C764DE79-268F-4C1A-8933-263129D2AF90}" type="datetimeFigureOut">
               <a:rPr lang="en-US" smtClean="0"/>
-              <a:t>12/3/2023</a:t>
+              <a:t>5/24/24</a:t>
             </a:fld>
             <a:endParaRPr lang="en-US" dirty="0"/>
           </a:p>
@@ -1729,7 +1729,7 @@
           <a:p>
             <a:fld id="{C764DE79-268F-4C1A-8933-263129D2AF90}" type="datetimeFigureOut">
               <a:rPr lang="en-US" smtClean="0"/>
-              <a:t>12/3/2023</a:t>
+              <a:t>5/24/24</a:t>
             </a:fld>
             <a:endParaRPr lang="en-US" dirty="0"/>
           </a:p>
@@ -1957,7 +1957,7 @@
           <a:p>
             <a:fld id="{C764DE79-268F-4C1A-8933-263129D2AF90}" type="datetimeFigureOut">
               <a:rPr lang="en-US" smtClean="0"/>
-              <a:t>12/3/2023</a:t>
+              <a:t>5/24/24</a:t>
             </a:fld>
             <a:endParaRPr lang="en-US" dirty="0"/>
           </a:p>
@@ -2320,7 +2320,7 @@
           <a:p>
             <a:fld id="{C764DE79-268F-4C1A-8933-263129D2AF90}" type="datetimeFigureOut">
               <a:rPr lang="en-US" smtClean="0"/>
-              <a:t>12/3/2023</a:t>
+              <a:t>5/24/24</a:t>
             </a:fld>
             <a:endParaRPr lang="en-US" dirty="0"/>
           </a:p>
@@ -2434,7 +2434,7 @@
           <a:p>
             <a:fld id="{C764DE79-268F-4C1A-8933-263129D2AF90}" type="datetimeFigureOut">
               <a:rPr lang="en-US" smtClean="0"/>
-              <a:t>12/3/2023</a:t>
+              <a:t>5/24/24</a:t>
             </a:fld>
             <a:endParaRPr lang="en-US" dirty="0"/>
           </a:p>
@@ -2525,7 +2525,7 @@
           <a:p>
             <a:fld id="{C764DE79-268F-4C1A-8933-263129D2AF90}" type="datetimeFigureOut">
               <a:rPr lang="en-US" smtClean="0"/>
-              <a:t>12/3/2023</a:t>
+              <a:t>5/24/24</a:t>
             </a:fld>
             <a:endParaRPr lang="en-US" dirty="0"/>
           </a:p>
@@ -2798,7 +2798,7 @@
           <a:p>
             <a:fld id="{C764DE79-268F-4C1A-8933-263129D2AF90}" type="datetimeFigureOut">
               <a:rPr lang="en-US" smtClean="0"/>
-              <a:t>12/3/2023</a:t>
+              <a:t>5/24/24</a:t>
             </a:fld>
             <a:endParaRPr lang="en-US" dirty="0"/>
           </a:p>
@@ -3051,7 +3051,7 @@
           <a:p>
             <a:fld id="{C764DE79-268F-4C1A-8933-263129D2AF90}" type="datetimeFigureOut">
               <a:rPr lang="en-US" smtClean="0"/>
-              <a:t>12/3/2023</a:t>
+              <a:t>5/24/24</a:t>
             </a:fld>
             <a:endParaRPr lang="en-US" dirty="0"/>
           </a:p>
@@ -3260,7 +3260,7 @@
           <a:p>
             <a:fld id="{C764DE79-268F-4C1A-8933-263129D2AF90}" type="datetimeFigureOut">
               <a:rPr lang="en-US" smtClean="0"/>
-              <a:t>12/3/2023</a:t>
+              <a:t>5/24/24</a:t>
             </a:fld>
             <a:endParaRPr lang="en-US" dirty="0"/>
           </a:p>
@@ -3867,40 +3867,10 @@
             <a:lstStyle/>
             <a:p>
               <a:r>
-                <a:rPr lang="zh-CN" altLang="en-US" sz="2400" b="1" dirty="0">
-                  <a:latin typeface="+mj-lt"/>
-                </a:rPr>
-                <a:t>汇报人：何政轩</a:t>
-              </a:r>
-              <a:r>
                 <a:rPr lang="en-US" altLang="zh-CN" sz="2400" b="1" dirty="0">
                   <a:latin typeface="+mj-lt"/>
                 </a:rPr>
-                <a:t> </a:t>
-              </a:r>
-              <a:r>
-                <a:rPr lang="zh-CN" altLang="en-US" sz="2400" b="1" dirty="0">
-                  <a:latin typeface="+mj-lt"/>
-                </a:rPr>
-                <a:t>宁洪斌</a:t>
-              </a:r>
-              <a:r>
-                <a:rPr lang="en-US" altLang="zh-CN" sz="2400" b="1" dirty="0">
-                  <a:latin typeface="+mj-lt"/>
-                </a:rPr>
-                <a:t>  </a:t>
-              </a:r>
-              <a:r>
-                <a:rPr lang="zh-CN" altLang="en-US" sz="2400" b="1" dirty="0">
-                  <a:latin typeface="+mj-lt"/>
-                </a:rPr>
-                <a:t>方俊添</a:t>
-              </a:r>
-              <a:r>
-                <a:rPr lang="en-US" altLang="zh-CN" sz="2400" b="1" dirty="0">
-                  <a:latin typeface="+mj-lt"/>
-                </a:rPr>
-                <a:t>		</a:t>
+                <a:t>										</a:t>
               </a:r>
               <a:r>
                 <a:rPr lang="zh-CN" altLang="en-US" sz="2400" b="1" dirty="0">
@@ -6655,31 +6625,13 @@
                 <a:rPr lang="zh-CN" altLang="en-US" sz="2400" b="1" dirty="0">
                   <a:latin typeface="+mj-lt"/>
                 </a:rPr>
-                <a:t>汇报人：何政轩</a:t>
-              </a:r>
-              <a:r>
-                <a:rPr lang="en-US" altLang="zh-CN" sz="2400" b="1" dirty="0">
-                  <a:latin typeface="+mj-lt"/>
-                </a:rPr>
                 <a:t> </a:t>
               </a:r>
               <a:r>
-                <a:rPr lang="zh-CN" altLang="en-US" sz="2400" b="1" dirty="0">
+                <a:rPr lang="en-US" altLang="zh-CN" sz="2400" b="1">
                   <a:latin typeface="+mj-lt"/>
                 </a:rPr>
-                <a:t>宁洪斌</a:t>
-              </a:r>
-              <a:r>
-                <a:rPr lang="en-US" altLang="zh-CN" sz="2400" b="1" dirty="0">
-                  <a:latin typeface="+mj-lt"/>
-                </a:rPr>
-                <a:t>  </a:t>
-              </a:r>
-              <a:r>
-                <a:rPr lang="zh-CN" altLang="en-US" sz="2400" b="1" dirty="0">
-                  <a:latin typeface="+mj-lt"/>
-                </a:rPr>
-                <a:t>方俊添</a:t>
+                <a:t>								</a:t>
               </a:r>
               <a:r>
                 <a:rPr lang="en-US" altLang="zh-CN" sz="2400" b="1" dirty="0">

--- a/ppt/physics/2312030.pptx
+++ b/ppt/physics/2312030.pptx
@@ -951,7 +951,7 @@
           <a:p>
             <a:fld id="{C764DE79-268F-4C1A-8933-263129D2AF90}" type="datetimeFigureOut">
               <a:rPr lang="en-US" smtClean="0"/>
-              <a:t>5/24/24</a:t>
+              <a:t>12/3/2023</a:t>
             </a:fld>
             <a:endParaRPr lang="en-US" dirty="0"/>
           </a:p>
@@ -1117,7 +1117,7 @@
           <a:p>
             <a:fld id="{C764DE79-268F-4C1A-8933-263129D2AF90}" type="datetimeFigureOut">
               <a:rPr lang="en-US" smtClean="0"/>
-              <a:t>5/24/24</a:t>
+              <a:t>12/3/2023</a:t>
             </a:fld>
             <a:endParaRPr lang="en-US" dirty="0"/>
           </a:p>
@@ -1293,7 +1293,7 @@
           <a:p>
             <a:fld id="{C764DE79-268F-4C1A-8933-263129D2AF90}" type="datetimeFigureOut">
               <a:rPr lang="en-US" smtClean="0"/>
-              <a:t>5/24/24</a:t>
+              <a:t>12/3/2023</a:t>
             </a:fld>
             <a:endParaRPr lang="en-US" dirty="0"/>
           </a:p>
@@ -1489,7 +1489,7 @@
           <a:p>
             <a:fld id="{C764DE79-268F-4C1A-8933-263129D2AF90}" type="datetimeFigureOut">
               <a:rPr lang="en-US" smtClean="0"/>
-              <a:t>5/24/24</a:t>
+              <a:t>12/3/2023</a:t>
             </a:fld>
             <a:endParaRPr lang="en-US" dirty="0"/>
           </a:p>
@@ -1729,7 +1729,7 @@
           <a:p>
             <a:fld id="{C764DE79-268F-4C1A-8933-263129D2AF90}" type="datetimeFigureOut">
               <a:rPr lang="en-US" smtClean="0"/>
-              <a:t>5/24/24</a:t>
+              <a:t>12/3/2023</a:t>
             </a:fld>
             <a:endParaRPr lang="en-US" dirty="0"/>
           </a:p>
@@ -1957,7 +1957,7 @@
           <a:p>
             <a:fld id="{C764DE79-268F-4C1A-8933-263129D2AF90}" type="datetimeFigureOut">
               <a:rPr lang="en-US" smtClean="0"/>
-              <a:t>5/24/24</a:t>
+              <a:t>12/3/2023</a:t>
             </a:fld>
             <a:endParaRPr lang="en-US" dirty="0"/>
           </a:p>
@@ -2320,7 +2320,7 @@
           <a:p>
             <a:fld id="{C764DE79-268F-4C1A-8933-263129D2AF90}" type="datetimeFigureOut">
               <a:rPr lang="en-US" smtClean="0"/>
-              <a:t>5/24/24</a:t>
+              <a:t>12/3/2023</a:t>
             </a:fld>
             <a:endParaRPr lang="en-US" dirty="0"/>
           </a:p>
@@ -2434,7 +2434,7 @@
           <a:p>
             <a:fld id="{C764DE79-268F-4C1A-8933-263129D2AF90}" type="datetimeFigureOut">
               <a:rPr lang="en-US" smtClean="0"/>
-              <a:t>5/24/24</a:t>
+              <a:t>12/3/2023</a:t>
             </a:fld>
             <a:endParaRPr lang="en-US" dirty="0"/>
           </a:p>
@@ -2525,7 +2525,7 @@
           <a:p>
             <a:fld id="{C764DE79-268F-4C1A-8933-263129D2AF90}" type="datetimeFigureOut">
               <a:rPr lang="en-US" smtClean="0"/>
-              <a:t>5/24/24</a:t>
+              <a:t>12/3/2023</a:t>
             </a:fld>
             <a:endParaRPr lang="en-US" dirty="0"/>
           </a:p>
@@ -2798,7 +2798,7 @@
           <a:p>
             <a:fld id="{C764DE79-268F-4C1A-8933-263129D2AF90}" type="datetimeFigureOut">
               <a:rPr lang="en-US" smtClean="0"/>
-              <a:t>5/24/24</a:t>
+              <a:t>12/3/2023</a:t>
             </a:fld>
             <a:endParaRPr lang="en-US" dirty="0"/>
           </a:p>
@@ -3051,7 +3051,7 @@
           <a:p>
             <a:fld id="{C764DE79-268F-4C1A-8933-263129D2AF90}" type="datetimeFigureOut">
               <a:rPr lang="en-US" smtClean="0"/>
-              <a:t>5/24/24</a:t>
+              <a:t>12/3/2023</a:t>
             </a:fld>
             <a:endParaRPr lang="en-US" dirty="0"/>
           </a:p>
@@ -3260,7 +3260,7 @@
           <a:p>
             <a:fld id="{C764DE79-268F-4C1A-8933-263129D2AF90}" type="datetimeFigureOut">
               <a:rPr lang="en-US" smtClean="0"/>
-              <a:t>5/24/24</a:t>
+              <a:t>12/3/2023</a:t>
             </a:fld>
             <a:endParaRPr lang="en-US" dirty="0"/>
           </a:p>
@@ -3867,10 +3867,40 @@
             <a:lstStyle/>
             <a:p>
               <a:r>
+                <a:rPr lang="zh-CN" altLang="en-US" sz="2400" b="1" dirty="0">
+                  <a:latin typeface="+mj-lt"/>
+                </a:rPr>
+                <a:t>汇报人：何政轩</a:t>
+              </a:r>
+              <a:r>
                 <a:rPr lang="en-US" altLang="zh-CN" sz="2400" b="1" dirty="0">
                   <a:latin typeface="+mj-lt"/>
                 </a:rPr>
-                <a:t>										</a:t>
+                <a:t> </a:t>
+              </a:r>
+              <a:r>
+                <a:rPr lang="zh-CN" altLang="en-US" sz="2400" b="1" dirty="0">
+                  <a:latin typeface="+mj-lt"/>
+                </a:rPr>
+                <a:t>宁洪斌</a:t>
+              </a:r>
+              <a:r>
+                <a:rPr lang="en-US" altLang="zh-CN" sz="2400" b="1" dirty="0">
+                  <a:latin typeface="+mj-lt"/>
+                </a:rPr>
+                <a:t>  </a:t>
+              </a:r>
+              <a:r>
+                <a:rPr lang="zh-CN" altLang="en-US" sz="2400" b="1" dirty="0">
+                  <a:latin typeface="+mj-lt"/>
+                </a:rPr>
+                <a:t>方俊添</a:t>
+              </a:r>
+              <a:r>
+                <a:rPr lang="en-US" altLang="zh-CN" sz="2400" b="1" dirty="0">
+                  <a:latin typeface="+mj-lt"/>
+                </a:rPr>
+                <a:t>		</a:t>
               </a:r>
               <a:r>
                 <a:rPr lang="zh-CN" altLang="en-US" sz="2400" b="1" dirty="0">
@@ -6625,13 +6655,31 @@
                 <a:rPr lang="zh-CN" altLang="en-US" sz="2400" b="1" dirty="0">
                   <a:latin typeface="+mj-lt"/>
                 </a:rPr>
+                <a:t>汇报人：何政轩</a:t>
+              </a:r>
+              <a:r>
+                <a:rPr lang="en-US" altLang="zh-CN" sz="2400" b="1" dirty="0">
+                  <a:latin typeface="+mj-lt"/>
+                </a:rPr>
                 <a:t> </a:t>
               </a:r>
               <a:r>
-                <a:rPr lang="en-US" altLang="zh-CN" sz="2400" b="1">
+                <a:rPr lang="zh-CN" altLang="en-US" sz="2400" b="1" dirty="0">
                   <a:latin typeface="+mj-lt"/>
                 </a:rPr>
-                <a:t>								</a:t>
+                <a:t>宁洪斌</a:t>
+              </a:r>
+              <a:r>
+                <a:rPr lang="en-US" altLang="zh-CN" sz="2400" b="1" dirty="0">
+                  <a:latin typeface="+mj-lt"/>
+                </a:rPr>
+                <a:t>  </a:t>
+              </a:r>
+              <a:r>
+                <a:rPr lang="zh-CN" altLang="en-US" sz="2400" b="1" dirty="0">
+                  <a:latin typeface="+mj-lt"/>
+                </a:rPr>
+                <a:t>方俊添</a:t>
               </a:r>
               <a:r>
                 <a:rPr lang="en-US" altLang="zh-CN" sz="2400" b="1" dirty="0">
